--- a/Week4/Week 4.pptx
+++ b/Week4/Week 4.pptx
@@ -223,7 +223,7 @@
           <a:p>
             <a:fld id="{4FB4FDAC-B3DB-DD45-B978-99CF3E2F5812}" type="datetimeFigureOut">
               <a:rPr lang="en-US" smtClean="0"/>
-              <a:t>6/13/17</a:t>
+              <a:t>6/14/17</a:t>
             </a:fld>
             <a:endParaRPr lang="en-US"/>
           </a:p>
@@ -706,7 +706,7 @@
           <a:p>
             <a:fld id="{85ECCAAB-62B7-E14E-861E-514A3AC6AC9C}" type="datetime1">
               <a:rPr lang="en-CA" smtClean="0"/>
-              <a:t>2017-06-13</a:t>
+              <a:t>2017-06-14</a:t>
             </a:fld>
             <a:endParaRPr lang="en-US"/>
           </a:p>
@@ -876,7 +876,7 @@
           <a:p>
             <a:fld id="{1F81F1A6-B506-B746-8F90-5EA2370FE350}" type="datetime1">
               <a:rPr lang="en-CA" smtClean="0"/>
-              <a:t>2017-06-13</a:t>
+              <a:t>2017-06-14</a:t>
             </a:fld>
             <a:endParaRPr lang="en-US"/>
           </a:p>
@@ -1056,7 +1056,7 @@
           <a:p>
             <a:fld id="{43C5E4F4-F608-7D43-8FD9-2934C1CCCD18}" type="datetime1">
               <a:rPr lang="en-CA" smtClean="0"/>
-              <a:t>2017-06-13</a:t>
+              <a:t>2017-06-14</a:t>
             </a:fld>
             <a:endParaRPr lang="en-US"/>
           </a:p>
@@ -1226,7 +1226,7 @@
           <a:p>
             <a:fld id="{BB475173-BD22-5B46-BFF8-A12AA055E636}" type="datetime1">
               <a:rPr lang="en-CA" smtClean="0"/>
-              <a:t>2017-06-13</a:t>
+              <a:t>2017-06-14</a:t>
             </a:fld>
             <a:endParaRPr lang="en-US"/>
           </a:p>
@@ -1472,7 +1472,7 @@
           <a:p>
             <a:fld id="{4F27E3F0-DDF6-7647-8F86-2B842D53EBAB}" type="datetime1">
               <a:rPr lang="en-CA" smtClean="0"/>
-              <a:t>2017-06-13</a:t>
+              <a:t>2017-06-14</a:t>
             </a:fld>
             <a:endParaRPr lang="en-US"/>
           </a:p>
@@ -1704,7 +1704,7 @@
           <a:p>
             <a:fld id="{ACD26460-6543-8C42-AB3A-36B1EC060317}" type="datetime1">
               <a:rPr lang="en-CA" smtClean="0"/>
-              <a:t>2017-06-13</a:t>
+              <a:t>2017-06-14</a:t>
             </a:fld>
             <a:endParaRPr lang="en-US"/>
           </a:p>
@@ -2071,7 +2071,7 @@
           <a:p>
             <a:fld id="{815BA2C2-9512-574B-8601-E91EEDC126DB}" type="datetime1">
               <a:rPr lang="en-CA" smtClean="0"/>
-              <a:t>2017-06-13</a:t>
+              <a:t>2017-06-14</a:t>
             </a:fld>
             <a:endParaRPr lang="en-US"/>
           </a:p>
@@ -2189,7 +2189,7 @@
           <a:p>
             <a:fld id="{BBB33225-CD53-6C4A-9C72-43B14EF139F7}" type="datetime1">
               <a:rPr lang="en-CA" smtClean="0"/>
-              <a:t>2017-06-13</a:t>
+              <a:t>2017-06-14</a:t>
             </a:fld>
             <a:endParaRPr lang="en-US"/>
           </a:p>
@@ -2284,7 +2284,7 @@
           <a:p>
             <a:fld id="{87EC9F28-234F-AC4F-8966-3FEDCD9146E5}" type="datetime1">
               <a:rPr lang="en-CA" smtClean="0"/>
-              <a:t>2017-06-13</a:t>
+              <a:t>2017-06-14</a:t>
             </a:fld>
             <a:endParaRPr lang="en-US"/>
           </a:p>
@@ -2561,7 +2561,7 @@
           <a:p>
             <a:fld id="{FFD29EAC-8EDD-BE42-8648-319A3C7EB533}" type="datetime1">
               <a:rPr lang="en-CA" smtClean="0"/>
-              <a:t>2017-06-13</a:t>
+              <a:t>2017-06-14</a:t>
             </a:fld>
             <a:endParaRPr lang="en-US"/>
           </a:p>
@@ -2814,7 +2814,7 @@
           <a:p>
             <a:fld id="{42968F2B-1467-F145-8680-D9309B470748}" type="datetime1">
               <a:rPr lang="en-CA" smtClean="0"/>
-              <a:t>2017-06-13</a:t>
+              <a:t>2017-06-14</a:t>
             </a:fld>
             <a:endParaRPr lang="en-US"/>
           </a:p>
@@ -3027,7 +3027,7 @@
           <a:p>
             <a:fld id="{3FF010F0-3DDC-7243-82C9-A5CB7C23D58F}" type="datetime1">
               <a:rPr lang="en-CA" smtClean="0"/>
-              <a:t>2017-06-13</a:t>
+              <a:t>2017-06-14</a:t>
             </a:fld>
             <a:endParaRPr lang="en-US"/>
           </a:p>
@@ -3512,6 +3512,13 @@
   <p:clrMapOvr>
     <a:masterClrMapping/>
   </p:clrMapOvr>
+  <p:timing>
+    <p:tnLst>
+      <p:par>
+        <p:cTn id="1" dur="indefinite" restart="never" nodeType="tmRoot"/>
+      </p:par>
+    </p:tnLst>
+  </p:timing>
 </p:sld>
 </file>
 
@@ -3746,8 +3753,8 @@
           </a:p>
         </p:txBody>
       </p:sp>
-      <mc:AlternateContent xmlns:mc="http://schemas.openxmlformats.org/markup-compatibility/2006">
-        <mc:Choice xmlns:a14="http://schemas.microsoft.com/office/drawing/2010/main" Requires="a14">
+      <mc:AlternateContent xmlns:mc="http://schemas.openxmlformats.org/markup-compatibility/2006" xmlns:a14="http://schemas.microsoft.com/office/drawing/2010/main">
+        <mc:Choice Requires="a14">
           <p:sp>
             <p:nvSpPr>
               <p:cNvPr id="3" name="Content Placeholder 2"/>
@@ -4301,7 +4308,7 @@
             </p:txBody>
           </p:sp>
         </mc:Choice>
-        <mc:Fallback>
+        <mc:Fallback xmlns="">
           <p:sp>
             <p:nvSpPr>
               <p:cNvPr id="3" name="Content Placeholder 2"/>
@@ -4368,6 +4375,13 @@
   <p:clrMapOvr>
     <a:masterClrMapping/>
   </p:clrMapOvr>
+  <p:timing>
+    <p:tnLst>
+      <p:par>
+        <p:cTn id="1" dur="indefinite" restart="never" nodeType="tmRoot"/>
+      </p:par>
+    </p:tnLst>
+  </p:timing>
 </p:sld>
 </file>
 
@@ -4423,8 +4437,8 @@
           </a:p>
         </p:txBody>
       </p:sp>
-      <mc:AlternateContent xmlns:mc="http://schemas.openxmlformats.org/markup-compatibility/2006">
-        <mc:Choice xmlns:a14="http://schemas.microsoft.com/office/drawing/2010/main" Requires="a14">
+      <mc:AlternateContent xmlns:mc="http://schemas.openxmlformats.org/markup-compatibility/2006" xmlns:a14="http://schemas.microsoft.com/office/drawing/2010/main">
+        <mc:Choice Requires="a14">
           <p:sp>
             <p:nvSpPr>
               <p:cNvPr id="3" name="Content Placeholder 2"/>
@@ -4596,11 +4610,7 @@
                 </a:pPr>
                 <a:r>
                   <a:rPr lang="en-US" dirty="0" smtClean="0"/>
-                  <a:t>Step </a:t>
-                </a:r>
-                <a:r>
-                  <a:rPr lang="en-US" dirty="0" smtClean="0"/>
-                  <a:t>III:</a:t>
+                  <a:t>Step III:</a:t>
                 </a:r>
               </a:p>
               <a:p>
@@ -4797,7 +4807,7 @@
             </p:txBody>
           </p:sp>
         </mc:Choice>
-        <mc:Fallback>
+        <mc:Fallback xmlns="">
           <p:sp>
             <p:nvSpPr>
               <p:cNvPr id="3" name="Content Placeholder 2"/>
@@ -4864,6 +4874,13 @@
   <p:clrMapOvr>
     <a:masterClrMapping/>
   </p:clrMapOvr>
+  <p:timing>
+    <p:tnLst>
+      <p:par>
+        <p:cTn id="1" dur="indefinite" restart="never" nodeType="tmRoot"/>
+      </p:par>
+    </p:tnLst>
+  </p:timing>
 </p:sld>
 </file>
 
@@ -5278,8 +5295,36 @@
                   <a:t>			s[j] = </a:t>
                 </a:r>
                 <a:r>
-                  <a:rPr lang="en-US" dirty="0" err="1" smtClean="0"/>
+                  <a:rPr lang="en-US" altLang="zh-CN" dirty="0"/>
                   <a:t>i</a:t>
+                </a:r>
+                <a:endParaRPr lang="en-US" dirty="0" smtClean="0"/>
+              </a:p>
+              <a:p>
+                <a:pPr marL="0" marR="0" lvl="0" indent="0" defTabSz="914400" eaLnBrk="1" fontAlgn="auto" latinLnBrk="0" hangingPunct="1">
+                  <a:lnSpc>
+                    <a:spcPct val="100000"/>
+                  </a:lnSpc>
+                  <a:spcBef>
+                    <a:spcPts val="0"/>
+                  </a:spcBef>
+                  <a:spcAft>
+                    <a:spcPts val="0"/>
+                  </a:spcAft>
+                  <a:buClrTx/>
+                  <a:buSzTx/>
+                  <a:buFontTx/>
+                  <a:buNone/>
+                  <a:tabLst/>
+                  <a:defRPr/>
+                </a:pPr>
+                <a:r>
+                  <a:rPr lang="en-US" dirty="0"/>
+                  <a:t>	</a:t>
+                </a:r>
+                <a:r>
+                  <a:rPr lang="en-US" dirty="0" smtClean="0"/>
+                  <a:t>	M[j] = q</a:t>
                 </a:r>
                 <a:endParaRPr lang="en-US" dirty="0" smtClean="0"/>
               </a:p>
@@ -5562,6 +5607,13 @@
   <p:clrMapOvr>
     <a:masterClrMapping/>
   </p:clrMapOvr>
+  <p:timing>
+    <p:tnLst>
+      <p:par>
+        <p:cTn id="1" dur="indefinite" restart="never" nodeType="tmRoot"/>
+      </p:par>
+    </p:tnLst>
+  </p:timing>
 </p:sld>
 </file>
 
@@ -5617,8 +5669,8 @@
           </a:p>
         </p:txBody>
       </p:sp>
-      <mc:AlternateContent xmlns:mc="http://schemas.openxmlformats.org/markup-compatibility/2006">
-        <mc:Choice xmlns:a14="http://schemas.microsoft.com/office/drawing/2010/main" Requires="a14">
+      <mc:AlternateContent xmlns:mc="http://schemas.openxmlformats.org/markup-compatibility/2006" xmlns:a14="http://schemas.microsoft.com/office/drawing/2010/main">
+        <mc:Choice Requires="a14">
           <p:sp>
             <p:nvSpPr>
               <p:cNvPr id="3" name="Content Placeholder 2"/>
@@ -5768,11 +5820,7 @@
                 </a:pPr>
                 <a:r>
                   <a:rPr lang="en-US" dirty="0" smtClean="0"/>
-                  <a:t>Ind</a:t>
-                </a:r>
-                <a:r>
-                  <a:rPr lang="en-US" dirty="0" smtClean="0"/>
-                  <a:t>uctive Hypothesis(strong):</a:t>
+                  <a:t>Inductive Hypothesis(strong):</a:t>
                 </a:r>
               </a:p>
               <a:p>
@@ -5854,11 +5902,7 @@
                 </a:r>
                 <a:r>
                   <a:rPr lang="en-US" dirty="0" smtClean="0"/>
-                  <a:t>n</a:t>
-                </a:r>
-                <a:r>
-                  <a:rPr lang="en-US" dirty="0" smtClean="0"/>
-                  <a:t>)</a:t>
+                  <a:t>n)</a:t>
                 </a:r>
               </a:p>
               <a:p>
@@ -6035,7 +6079,7 @@
             </p:txBody>
           </p:sp>
         </mc:Choice>
-        <mc:Fallback>
+        <mc:Fallback xmlns="">
           <p:sp>
             <p:nvSpPr>
               <p:cNvPr id="3" name="Content Placeholder 2"/>
@@ -6102,6 +6146,13 @@
   <p:clrMapOvr>
     <a:masterClrMapping/>
   </p:clrMapOvr>
+  <p:timing>
+    <p:tnLst>
+      <p:par>
+        <p:cTn id="1" dur="indefinite" restart="never" nodeType="tmRoot"/>
+      </p:par>
+    </p:tnLst>
+  </p:timing>
 </p:sld>
 </file>
 
@@ -6400,6 +6451,13 @@
   <p:clrMapOvr>
     <a:masterClrMapping/>
   </p:clrMapOvr>
+  <p:timing>
+    <p:tnLst>
+      <p:par>
+        <p:cTn id="1" dur="indefinite" restart="never" nodeType="tmRoot"/>
+      </p:par>
+    </p:tnLst>
+  </p:timing>
 </p:sld>
 </file>
 
@@ -6447,8 +6505,8 @@
           </a:p>
         </p:txBody>
       </p:sp>
-      <mc:AlternateContent xmlns:mc="http://schemas.openxmlformats.org/markup-compatibility/2006">
-        <mc:Choice xmlns:a14="http://schemas.microsoft.com/office/drawing/2010/main" Requires="a14">
+      <mc:AlternateContent xmlns:mc="http://schemas.openxmlformats.org/markup-compatibility/2006" xmlns:a14="http://schemas.microsoft.com/office/drawing/2010/main">
+        <mc:Choice Requires="a14">
           <p:sp>
             <p:nvSpPr>
               <p:cNvPr id="3" name="Content Placeholder 2"/>
@@ -7014,7 +7072,7 @@
             </p:txBody>
           </p:sp>
         </mc:Choice>
-        <mc:Fallback>
+        <mc:Fallback xmlns="">
           <p:sp>
             <p:nvSpPr>
               <p:cNvPr id="3" name="Content Placeholder 2"/>
@@ -7085,6 +7143,13 @@
   <p:clrMapOvr>
     <a:masterClrMapping/>
   </p:clrMapOvr>
+  <p:timing>
+    <p:tnLst>
+      <p:par>
+        <p:cTn id="1" dur="indefinite" restart="never" nodeType="tmRoot"/>
+      </p:par>
+    </p:tnLst>
+  </p:timing>
 </p:sld>
 </file>
 
@@ -7136,8 +7201,8 @@
           </a:p>
         </p:txBody>
       </p:sp>
-      <mc:AlternateContent xmlns:mc="http://schemas.openxmlformats.org/markup-compatibility/2006">
-        <mc:Choice xmlns:a14="http://schemas.microsoft.com/office/drawing/2010/main" Requires="a14">
+      <mc:AlternateContent xmlns:mc="http://schemas.openxmlformats.org/markup-compatibility/2006" xmlns:a14="http://schemas.microsoft.com/office/drawing/2010/main">
+        <mc:Choice Requires="a14">
           <p:sp>
             <p:nvSpPr>
               <p:cNvPr id="3" name="Content Placeholder 2"/>
@@ -7401,7 +7466,7 @@
             </p:txBody>
           </p:sp>
         </mc:Choice>
-        <mc:Fallback>
+        <mc:Fallback xmlns="">
           <p:sp>
             <p:nvSpPr>
               <p:cNvPr id="3" name="Content Placeholder 2"/>
@@ -7468,6 +7533,13 @@
   <p:clrMapOvr>
     <a:masterClrMapping/>
   </p:clrMapOvr>
+  <p:timing>
+    <p:tnLst>
+      <p:par>
+        <p:cTn id="1" dur="indefinite" restart="never" nodeType="tmRoot"/>
+      </p:par>
+    </p:tnLst>
+  </p:timing>
 </p:sld>
 </file>
 
@@ -7523,8 +7595,8 @@
           </a:p>
         </p:txBody>
       </p:sp>
-      <mc:AlternateContent xmlns:mc="http://schemas.openxmlformats.org/markup-compatibility/2006">
-        <mc:Choice xmlns:a14="http://schemas.microsoft.com/office/drawing/2010/main" Requires="a14">
+      <mc:AlternateContent xmlns:mc="http://schemas.openxmlformats.org/markup-compatibility/2006" xmlns:a14="http://schemas.microsoft.com/office/drawing/2010/main">
+        <mc:Choice Requires="a14">
           <p:sp>
             <p:nvSpPr>
               <p:cNvPr id="3" name="Content Placeholder 2"/>
@@ -8054,7 +8126,7 @@
             </p:txBody>
           </p:sp>
         </mc:Choice>
-        <mc:Fallback>
+        <mc:Fallback xmlns="">
           <p:sp>
             <p:nvSpPr>
               <p:cNvPr id="3" name="Content Placeholder 2"/>
@@ -8121,6 +8193,13 @@
   <p:clrMapOvr>
     <a:masterClrMapping/>
   </p:clrMapOvr>
+  <p:timing>
+    <p:tnLst>
+      <p:par>
+        <p:cTn id="1" dur="indefinite" restart="never" nodeType="tmRoot"/>
+      </p:par>
+    </p:tnLst>
+  </p:timing>
 </p:sld>
 </file>
 
@@ -8176,8 +8255,8 @@
           </a:p>
         </p:txBody>
       </p:sp>
-      <mc:AlternateContent xmlns:mc="http://schemas.openxmlformats.org/markup-compatibility/2006">
-        <mc:Choice xmlns:a14="http://schemas.microsoft.com/office/drawing/2010/main" Requires="a14">
+      <mc:AlternateContent xmlns:mc="http://schemas.openxmlformats.org/markup-compatibility/2006" xmlns:a14="http://schemas.microsoft.com/office/drawing/2010/main">
+        <mc:Choice Requires="a14">
           <p:sp>
             <p:nvSpPr>
               <p:cNvPr id="3" name="Content Placeholder 2"/>
@@ -8649,18 +8728,14 @@
                 </a:r>
                 <a:r>
                   <a:rPr lang="en-US" dirty="0" smtClean="0"/>
-                  <a:t>)</a:t>
-                </a:r>
-                <a:r>
-                  <a:rPr lang="en-US" dirty="0" smtClean="0"/>
-                  <a:t> </a:t>
+                  <a:t>) </a:t>
                 </a:r>
                 <a:endParaRPr lang="en-US" dirty="0"/>
               </a:p>
             </p:txBody>
           </p:sp>
         </mc:Choice>
-        <mc:Fallback>
+        <mc:Fallback xmlns="">
           <p:sp>
             <p:nvSpPr>
               <p:cNvPr id="3" name="Content Placeholder 2"/>
@@ -8727,6 +8802,13 @@
   <p:clrMapOvr>
     <a:masterClrMapping/>
   </p:clrMapOvr>
+  <p:timing>
+    <p:tnLst>
+      <p:par>
+        <p:cTn id="1" dur="indefinite" restart="never" nodeType="tmRoot"/>
+      </p:par>
+    </p:tnLst>
+  </p:timing>
 </p:sld>
 </file>
 
@@ -9362,7 +9444,6 @@
               <a:rPr lang="en-US" dirty="0" smtClean="0"/>
               <a:t>]</a:t>
             </a:r>
-            <a:endParaRPr lang="en-US" dirty="0" smtClean="0"/>
           </a:p>
           <a:p>
             <a:pPr marL="0" marR="0" lvl="0" indent="0" defTabSz="914400" eaLnBrk="1" fontAlgn="auto" latinLnBrk="0" hangingPunct="1">
@@ -9419,6 +9500,13 @@
   <p:clrMapOvr>
     <a:masterClrMapping/>
   </p:clrMapOvr>
+  <p:timing>
+    <p:tnLst>
+      <p:par>
+        <p:cTn id="1" dur="indefinite" restart="never" nodeType="tmRoot"/>
+      </p:par>
+    </p:tnLst>
+  </p:timing>
 </p:sld>
 </file>
 
@@ -9474,8 +9562,8 @@
           </a:p>
         </p:txBody>
       </p:sp>
-      <mc:AlternateContent xmlns:mc="http://schemas.openxmlformats.org/markup-compatibility/2006">
-        <mc:Choice xmlns:a14="http://schemas.microsoft.com/office/drawing/2010/main" Requires="a14">
+      <mc:AlternateContent xmlns:mc="http://schemas.openxmlformats.org/markup-compatibility/2006" xmlns:a14="http://schemas.microsoft.com/office/drawing/2010/main">
+        <mc:Choice Requires="a14">
           <p:sp>
             <p:nvSpPr>
               <p:cNvPr id="3" name="Content Placeholder 2"/>
@@ -9762,7 +9850,7 @@
             </p:txBody>
           </p:sp>
         </mc:Choice>
-        <mc:Fallback>
+        <mc:Fallback xmlns="">
           <p:sp>
             <p:nvSpPr>
               <p:cNvPr id="3" name="Content Placeholder 2"/>
@@ -9829,6 +9917,13 @@
   <p:clrMapOvr>
     <a:masterClrMapping/>
   </p:clrMapOvr>
+  <p:timing>
+    <p:tnLst>
+      <p:par>
+        <p:cTn id="1" dur="indefinite" restart="never" nodeType="tmRoot"/>
+      </p:par>
+    </p:tnLst>
+  </p:timing>
 </p:sld>
 </file>
 
@@ -9884,8 +9979,8 @@
           </a:p>
         </p:txBody>
       </p:sp>
-      <mc:AlternateContent xmlns:mc="http://schemas.openxmlformats.org/markup-compatibility/2006">
-        <mc:Choice xmlns:a14="http://schemas.microsoft.com/office/drawing/2010/main" Requires="a14">
+      <mc:AlternateContent xmlns:mc="http://schemas.openxmlformats.org/markup-compatibility/2006" xmlns:a14="http://schemas.microsoft.com/office/drawing/2010/main">
+        <mc:Choice Requires="a14">
           <p:sp>
             <p:nvSpPr>
               <p:cNvPr id="3" name="Content Placeholder 2"/>
@@ -10028,7 +10123,7 @@
             </p:txBody>
           </p:sp>
         </mc:Choice>
-        <mc:Fallback>
+        <mc:Fallback xmlns="">
           <p:sp>
             <p:nvSpPr>
               <p:cNvPr id="3" name="Content Placeholder 2"/>
@@ -10095,6 +10190,13 @@
   <p:clrMapOvr>
     <a:masterClrMapping/>
   </p:clrMapOvr>
+  <p:timing>
+    <p:tnLst>
+      <p:par>
+        <p:cTn id="1" dur="indefinite" restart="never" nodeType="tmRoot"/>
+      </p:par>
+    </p:tnLst>
+  </p:timing>
 </p:sld>
 </file>
 
@@ -10236,13 +10338,14 @@
               <a:t>x</a:t>
             </a:r>
             <a:r>
-              <a:rPr lang="en-US" baseline="-25000" dirty="0" err="1" smtClean="0"/>
-              <a:t>n</a:t>
+              <a:rPr lang="en-US" altLang="zh-CN" baseline="-25000" dirty="0" err="1"/>
+              <a:t>m</a:t>
             </a:r>
             <a:r>
               <a:rPr lang="en-US" dirty="0" smtClean="0"/>
               <a:t>&gt;</a:t>
             </a:r>
+            <a:endParaRPr lang="en-US" dirty="0" smtClean="0"/>
           </a:p>
           <a:p>
             <a:pPr marL="0" marR="0" lvl="0" indent="0" defTabSz="914400" eaLnBrk="1" fontAlgn="auto" latinLnBrk="0" hangingPunct="1">
@@ -10521,6 +10624,13 @@
   <p:clrMapOvr>
     <a:masterClrMapping/>
   </p:clrMapOvr>
+  <p:timing>
+    <p:tnLst>
+      <p:par>
+        <p:cTn id="1" dur="indefinite" restart="never" nodeType="tmRoot"/>
+      </p:par>
+    </p:tnLst>
+  </p:timing>
 </p:sld>
 </file>
 
@@ -10568,8 +10678,8 @@
           </a:p>
         </p:txBody>
       </p:sp>
-      <mc:AlternateContent xmlns:mc="http://schemas.openxmlformats.org/markup-compatibility/2006">
-        <mc:Choice xmlns:a14="http://schemas.microsoft.com/office/drawing/2010/main" Requires="a14">
+      <mc:AlternateContent xmlns:mc="http://schemas.openxmlformats.org/markup-compatibility/2006" xmlns:a14="http://schemas.microsoft.com/office/drawing/2010/main">
+        <mc:Choice Requires="a14">
           <p:sp>
             <p:nvSpPr>
               <p:cNvPr id="3" name="Content Placeholder 2"/>
@@ -10694,11 +10804,7 @@
                 </a:pPr>
                 <a:r>
                   <a:rPr lang="en-US" dirty="0"/>
-                  <a:t>	</a:t>
-                </a:r>
-                <a:r>
-                  <a:rPr lang="en-US" dirty="0"/>
-                  <a:t> </a:t>
+                  <a:t>	 </a:t>
                 </a:r>
                 <a:r>
                   <a:rPr lang="en-US" dirty="0" smtClean="0"/>
@@ -10951,7 +11057,7 @@
             </p:txBody>
           </p:sp>
         </mc:Choice>
-        <mc:Fallback>
+        <mc:Fallback xmlns="">
           <p:sp>
             <p:nvSpPr>
               <p:cNvPr id="3" name="Content Placeholder 2"/>
@@ -11018,6 +11124,13 @@
   <p:clrMapOvr>
     <a:masterClrMapping/>
   </p:clrMapOvr>
+  <p:timing>
+    <p:tnLst>
+      <p:par>
+        <p:cTn id="1" dur="indefinite" restart="never" nodeType="tmRoot"/>
+      </p:par>
+    </p:tnLst>
+  </p:timing>
 </p:sld>
 </file>
 
@@ -11065,8 +11178,8 @@
           </a:p>
         </p:txBody>
       </p:sp>
-      <mc:AlternateContent xmlns:mc="http://schemas.openxmlformats.org/markup-compatibility/2006">
-        <mc:Choice xmlns:a14="http://schemas.microsoft.com/office/drawing/2010/main" Requires="a14">
+      <mc:AlternateContent xmlns:mc="http://schemas.openxmlformats.org/markup-compatibility/2006" xmlns:a14="http://schemas.microsoft.com/office/drawing/2010/main">
+        <mc:Choice Requires="a14">
           <p:sp>
             <p:nvSpPr>
               <p:cNvPr id="3" name="Content Placeholder 2"/>
@@ -11294,7 +11407,7 @@
                         <m:endChr m:val="]"/>
                         <m:ctrlPr>
                           <a:rPr lang="en-US" i="1" smtClean="0">
-                            <a:latin typeface="Calibri" charset="0"/>
+                            <a:latin typeface="Cambria Math" charset="0"/>
                             <a:ea typeface="Calibri" charset="0"/>
                             <a:cs typeface="Calibri" charset="0"/>
                           </a:rPr>
@@ -11303,7 +11416,7 @@
                       <m:e>
                         <m:r>
                           <a:rPr lang="en-US" b="0" i="1" smtClean="0">
-                            <a:latin typeface="Calibri" charset="0"/>
+                            <a:latin typeface="Cambria Math" charset="0"/>
                             <a:ea typeface="Calibri" charset="0"/>
                             <a:cs typeface="Calibri" charset="0"/>
                           </a:rPr>
@@ -11311,7 +11424,7 @@
                         </m:r>
                         <m:r>
                           <a:rPr lang="en-US" b="0" i="1" smtClean="0">
-                            <a:latin typeface="Calibri" charset="0"/>
+                            <a:latin typeface="Cambria Math" charset="0"/>
                             <a:ea typeface="Calibri" charset="0"/>
                             <a:cs typeface="Calibri" charset="0"/>
                           </a:rPr>
@@ -11319,7 +11432,7 @@
                         </m:r>
                         <m:r>
                           <a:rPr lang="en-US" b="0" i="1" smtClean="0">
-                            <a:latin typeface="Calibri" charset="0"/>
+                            <a:latin typeface="Cambria Math" charset="0"/>
                             <a:ea typeface="Calibri" charset="0"/>
                             <a:cs typeface="Calibri" charset="0"/>
                           </a:rPr>
@@ -11329,7 +11442,7 @@
                     </m:d>
                     <m:r>
                       <a:rPr lang="en-US" b="0" i="1" smtClean="0">
-                        <a:latin typeface="Calibri" charset="0"/>
+                        <a:latin typeface="Cambria Math" charset="0"/>
                         <a:ea typeface="Calibri" charset="0"/>
                         <a:cs typeface="Calibri" charset="0"/>
                       </a:rPr>
@@ -11341,7 +11454,7 @@
                         <m:endChr m:val=""/>
                         <m:ctrlPr>
                           <a:rPr lang="mr-IN" i="1" smtClean="0">
-                            <a:latin typeface="Calibri" charset="0"/>
+                            <a:latin typeface="Cambria Math" charset="0"/>
                             <a:ea typeface="Calibri" charset="0"/>
                             <a:cs typeface="Calibri" charset="0"/>
                           </a:rPr>
@@ -11352,7 +11465,7 @@
                           <m:eqArrPr>
                             <m:ctrlPr>
                               <a:rPr lang="mr-IN" i="1" smtClean="0">
-                                <a:latin typeface="Calibri" charset="0"/>
+                                <a:latin typeface="Cambria Math" charset="0"/>
                                 <a:ea typeface="Calibri" charset="0"/>
                                 <a:cs typeface="Calibri" charset="0"/>
                               </a:rPr>
@@ -11361,7 +11474,7 @@
                           <m:e>
                             <m:r>
                               <a:rPr lang="en-US" b="0" i="1" smtClean="0">
-                                <a:latin typeface="Calibri" charset="0"/>
+                                <a:latin typeface="Cambria Math" charset="0"/>
                                 <a:ea typeface="Calibri" charset="0"/>
                                 <a:cs typeface="Calibri" charset="0"/>
                               </a:rPr>
@@ -11369,7 +11482,7 @@
                             </m:r>
                             <m:r>
                               <a:rPr lang="en-US" b="0" i="1" smtClean="0">
-                                <a:latin typeface="Calibri" charset="0"/>
+                                <a:latin typeface="Cambria Math" charset="0"/>
                                 <a:ea typeface="Calibri" charset="0"/>
                                 <a:cs typeface="Calibri" charset="0"/>
                               </a:rPr>
@@ -11377,7 +11490,7 @@
                             </m:r>
                             <m:r>
                               <a:rPr lang="en-US" b="0" i="1" smtClean="0">
-                                <a:latin typeface="Calibri" charset="0"/>
+                                <a:latin typeface="Cambria Math" charset="0"/>
                                 <a:ea typeface="Calibri" charset="0"/>
                                 <a:cs typeface="Calibri" charset="0"/>
                               </a:rPr>
@@ -11385,7 +11498,7 @@
                             </m:r>
                             <m:r>
                               <a:rPr lang="en-US" b="0" i="1" smtClean="0">
-                                <a:latin typeface="Calibri" charset="0"/>
+                                <a:latin typeface="Cambria Math" charset="0"/>
                                 <a:ea typeface="Calibri" charset="0"/>
                                 <a:cs typeface="Calibri" charset="0"/>
                               </a:rPr>
@@ -11393,7 +11506,7 @@
                             </m:r>
                             <m:r>
                               <a:rPr lang="en-US" b="0" i="1" smtClean="0">
-                                <a:latin typeface="Calibri" charset="0"/>
+                                <a:latin typeface="Cambria Math" charset="0"/>
                                 <a:ea typeface="Calibri" charset="0"/>
                                 <a:cs typeface="Calibri" charset="0"/>
                               </a:rPr>
@@ -11401,7 +11514,7 @@
                             </m:r>
                             <m:r>
                               <a:rPr lang="en-US" b="0" i="1" smtClean="0">
-                                <a:latin typeface="Calibri" charset="0"/>
+                                <a:latin typeface="Cambria Math" charset="0"/>
                                 <a:ea typeface="Calibri" charset="0"/>
                                 <a:cs typeface="Calibri" charset="0"/>
                               </a:rPr>
@@ -11409,7 +11522,7 @@
                             </m:r>
                             <m:r>
                               <a:rPr lang="en-US" b="0" i="1" smtClean="0">
-                                <a:latin typeface="Calibri" charset="0"/>
+                                <a:latin typeface="Cambria Math" charset="0"/>
                                 <a:ea typeface="Calibri" charset="0"/>
                                 <a:cs typeface="Calibri" charset="0"/>
                               </a:rPr>
@@ -11417,7 +11530,7 @@
                             </m:r>
                             <m:r>
                               <a:rPr lang="en-US" b="0" i="1" smtClean="0">
-                                <a:latin typeface="Calibri" charset="0"/>
+                                <a:latin typeface="Cambria Math" charset="0"/>
                                 <a:ea typeface="Calibri" charset="0"/>
                                 <a:cs typeface="Calibri" charset="0"/>
                               </a:rPr>
@@ -11425,7 +11538,7 @@
                             </m:r>
                             <m:r>
                               <a:rPr lang="en-US" b="0" i="1" smtClean="0">
-                                <a:latin typeface="Calibri" charset="0"/>
+                                <a:latin typeface="Cambria Math" charset="0"/>
                                 <a:ea typeface="Calibri" charset="0"/>
                                 <a:cs typeface="Calibri" charset="0"/>
                               </a:rPr>
@@ -11435,7 +11548,7 @@
                           <m:e>
                             <m:r>
                               <a:rPr lang="en-US" b="0" i="1" smtClean="0">
-                                <a:latin typeface="Calibri" charset="0"/>
+                                <a:latin typeface="Cambria Math" charset="0"/>
                                 <a:ea typeface="Calibri" charset="0"/>
                                 <a:cs typeface="Calibri" charset="0"/>
                               </a:rPr>
@@ -11447,7 +11560,7 @@
                                 <m:endChr m:val="]"/>
                                 <m:ctrlPr>
                                   <a:rPr lang="en-US" i="1" smtClean="0">
-                                    <a:latin typeface="Calibri" charset="0"/>
+                                    <a:latin typeface="Cambria Math" charset="0"/>
                                     <a:ea typeface="Calibri" charset="0"/>
                                     <a:cs typeface="Calibri" charset="0"/>
                                   </a:rPr>
@@ -11456,7 +11569,7 @@
                               <m:e>
                                 <m:r>
                                   <a:rPr lang="en-US" b="0" i="1" smtClean="0">
-                                    <a:latin typeface="Calibri" charset="0"/>
+                                    <a:latin typeface="Cambria Math" charset="0"/>
                                     <a:ea typeface="Calibri" charset="0"/>
                                     <a:cs typeface="Calibri" charset="0"/>
                                   </a:rPr>
@@ -11464,7 +11577,7 @@
                                 </m:r>
                                 <m:r>
                                   <a:rPr lang="en-US" b="0" i="1" smtClean="0">
-                                    <a:latin typeface="Calibri" charset="0"/>
+                                    <a:latin typeface="Cambria Math" charset="0"/>
                                     <a:ea typeface="Calibri" charset="0"/>
                                     <a:cs typeface="Calibri" charset="0"/>
                                   </a:rPr>
@@ -11472,7 +11585,7 @@
                                 </m:r>
                                 <m:r>
                                   <a:rPr lang="en-US" b="0" i="1" smtClean="0">
-                                    <a:latin typeface="Calibri" charset="0"/>
+                                    <a:latin typeface="Cambria Math" charset="0"/>
                                     <a:ea typeface="Calibri" charset="0"/>
                                     <a:cs typeface="Calibri" charset="0"/>
                                   </a:rPr>
@@ -11480,7 +11593,7 @@
                                 </m:r>
                                 <m:r>
                                   <a:rPr lang="en-US" b="0" i="1" smtClean="0">
-                                    <a:latin typeface="Calibri" charset="0"/>
+                                    <a:latin typeface="Cambria Math" charset="0"/>
                                     <a:ea typeface="Calibri" charset="0"/>
                                     <a:cs typeface="Calibri" charset="0"/>
                                   </a:rPr>
@@ -11490,7 +11603,7 @@
                             </m:d>
                             <m:r>
                               <a:rPr lang="en-US" b="0" i="1" smtClean="0">
-                                <a:latin typeface="Calibri" charset="0"/>
+                                <a:latin typeface="Cambria Math" charset="0"/>
                                 <a:ea typeface="Calibri" charset="0"/>
                                 <a:cs typeface="Calibri" charset="0"/>
                               </a:rPr>
@@ -11498,7 +11611,7 @@
                             </m:r>
                             <m:r>
                               <a:rPr lang="en-US" b="0" i="1" smtClean="0">
-                                <a:latin typeface="Calibri" charset="0"/>
+                                <a:latin typeface="Cambria Math" charset="0"/>
                                 <a:ea typeface="Calibri" charset="0"/>
                                 <a:cs typeface="Calibri" charset="0"/>
                               </a:rPr>
@@ -11506,7 +11619,7 @@
                             </m:r>
                             <m:r>
                               <a:rPr lang="en-US" b="0" i="1" smtClean="0">
-                                <a:latin typeface="Calibri" charset="0"/>
+                                <a:latin typeface="Cambria Math" charset="0"/>
                                 <a:ea typeface="Calibri" charset="0"/>
                                 <a:cs typeface="Calibri" charset="0"/>
                               </a:rPr>
@@ -11516,7 +11629,7 @@
                               <m:sSubPr>
                                 <m:ctrlPr>
                                   <a:rPr lang="en-US" i="1" smtClean="0">
-                                    <a:latin typeface="Calibri" charset="0"/>
+                                    <a:latin typeface="Cambria Math" charset="0"/>
                                     <a:ea typeface="Calibri" charset="0"/>
                                     <a:cs typeface="Calibri" charset="0"/>
                                   </a:rPr>
@@ -11525,7 +11638,7 @@
                               <m:e>
                                 <m:r>
                                   <a:rPr lang="en-US" b="0" i="1" smtClean="0">
-                                    <a:latin typeface="Calibri" charset="0"/>
+                                    <a:latin typeface="Cambria Math" charset="0"/>
                                     <a:ea typeface="Calibri" charset="0"/>
                                     <a:cs typeface="Calibri" charset="0"/>
                                   </a:rPr>
@@ -11535,7 +11648,7 @@
                               <m:sub>
                                 <m:r>
                                   <a:rPr lang="en-US" b="0" i="1" smtClean="0">
-                                    <a:latin typeface="Calibri" charset="0"/>
+                                    <a:latin typeface="Cambria Math" charset="0"/>
                                     <a:ea typeface="Calibri" charset="0"/>
                                     <a:cs typeface="Calibri" charset="0"/>
                                   </a:rPr>
@@ -11545,7 +11658,7 @@
                             </m:sSub>
                             <m:r>
                               <a:rPr lang="en-US" b="0" i="1" smtClean="0">
-                                <a:latin typeface="Calibri" charset="0"/>
+                                <a:latin typeface="Cambria Math" charset="0"/>
                                 <a:ea typeface="Calibri" charset="0"/>
                                 <a:cs typeface="Calibri" charset="0"/>
                               </a:rPr>
@@ -11555,7 +11668,7 @@
                               <m:sSubPr>
                                 <m:ctrlPr>
                                   <a:rPr lang="en-US" i="1" smtClean="0">
-                                    <a:latin typeface="Calibri" charset="0"/>
+                                    <a:latin typeface="Cambria Math" charset="0"/>
                                     <a:ea typeface="Calibri" charset="0"/>
                                     <a:cs typeface="Calibri" charset="0"/>
                                   </a:rPr>
@@ -11564,7 +11677,7 @@
                               <m:e>
                                 <m:r>
                                   <a:rPr lang="en-US" b="0" i="1" smtClean="0">
-                                    <a:latin typeface="Calibri" charset="0"/>
+                                    <a:latin typeface="Cambria Math" charset="0"/>
                                     <a:ea typeface="Calibri" charset="0"/>
                                     <a:cs typeface="Calibri" charset="0"/>
                                   </a:rPr>
@@ -11574,7 +11687,7 @@
                               <m:sub>
                                 <m:r>
                                   <a:rPr lang="en-US" b="0" i="1" smtClean="0">
-                                    <a:latin typeface="Calibri" charset="0"/>
+                                    <a:latin typeface="Cambria Math" charset="0"/>
                                     <a:ea typeface="Calibri" charset="0"/>
                                     <a:cs typeface="Calibri" charset="0"/>
                                   </a:rPr>
@@ -11588,7 +11701,7 @@
                               <m:funcPr>
                                 <m:ctrlPr>
                                   <a:rPr lang="en-US" i="1" smtClean="0">
-                                    <a:latin typeface="Calibri" charset="0"/>
+                                    <a:latin typeface="Cambria Math" charset="0"/>
                                     <a:ea typeface="Calibri" charset="0"/>
                                     <a:cs typeface="Calibri" charset="0"/>
                                   </a:rPr>
@@ -11600,7 +11713,7 @@
                                     <m:sty m:val="p"/>
                                   </m:rPr>
                                   <a:rPr lang="en-US" b="0" i="0" smtClean="0">
-                                    <a:latin typeface="Calibri" charset="0"/>
+                                    <a:latin typeface="Cambria Math" charset="0"/>
                                     <a:ea typeface="Calibri" charset="0"/>
                                     <a:cs typeface="Calibri" charset="0"/>
                                   </a:rPr>
@@ -11612,7 +11725,7 @@
                                   <m:dPr>
                                     <m:ctrlPr>
                                       <a:rPr lang="en-US" i="1" smtClean="0">
-                                        <a:latin typeface="Calibri" charset="0"/>
+                                        <a:latin typeface="Cambria Math" charset="0"/>
                                         <a:ea typeface="Calibri" charset="0"/>
                                         <a:cs typeface="Calibri" charset="0"/>
                                       </a:rPr>
@@ -11621,7 +11734,7 @@
                                   <m:e>
                                     <m:r>
                                       <a:rPr lang="en-US" b="0" i="1" smtClean="0">
-                                        <a:latin typeface="Calibri" charset="0"/>
+                                        <a:latin typeface="Cambria Math" charset="0"/>
                                         <a:ea typeface="Calibri" charset="0"/>
                                         <a:cs typeface="Calibri" charset="0"/>
                                       </a:rPr>
@@ -11633,7 +11746,7 @@
                                         <m:endChr m:val="]"/>
                                         <m:ctrlPr>
                                           <a:rPr lang="en-US" i="1" smtClean="0">
-                                            <a:latin typeface="Calibri" charset="0"/>
+                                            <a:latin typeface="Cambria Math" charset="0"/>
                                             <a:ea typeface="Calibri" charset="0"/>
                                             <a:cs typeface="Calibri" charset="0"/>
                                           </a:rPr>
@@ -11642,7 +11755,7 @@
                                       <m:e>
                                         <m:r>
                                           <a:rPr lang="en-US" b="0" i="1" smtClean="0">
-                                            <a:latin typeface="Calibri" charset="0"/>
+                                            <a:latin typeface="Cambria Math" charset="0"/>
                                             <a:ea typeface="Calibri" charset="0"/>
                                             <a:cs typeface="Calibri" charset="0"/>
                                           </a:rPr>
@@ -11650,7 +11763,7 @@
                                         </m:r>
                                         <m:r>
                                           <a:rPr lang="en-US" b="0" i="1" smtClean="0">
-                                            <a:latin typeface="Calibri" charset="0"/>
+                                            <a:latin typeface="Cambria Math" charset="0"/>
                                             <a:ea typeface="Calibri" charset="0"/>
                                             <a:cs typeface="Calibri" charset="0"/>
                                           </a:rPr>
@@ -11658,7 +11771,7 @@
                                         </m:r>
                                         <m:r>
                                           <a:rPr lang="en-US" b="0" i="1" smtClean="0">
-                                            <a:latin typeface="Calibri" charset="0"/>
+                                            <a:latin typeface="Cambria Math" charset="0"/>
                                             <a:ea typeface="Calibri" charset="0"/>
                                             <a:cs typeface="Calibri" charset="0"/>
                                           </a:rPr>
@@ -11668,7 +11781,7 @@
                                     </m:d>
                                     <m:r>
                                       <a:rPr lang="en-US" b="0" i="1" smtClean="0">
-                                        <a:latin typeface="Calibri" charset="0"/>
+                                        <a:latin typeface="Cambria Math" charset="0"/>
                                         <a:ea typeface="Calibri" charset="0"/>
                                         <a:cs typeface="Calibri" charset="0"/>
                                       </a:rPr>
@@ -11676,7 +11789,7 @@
                                     </m:r>
                                     <m:r>
                                       <a:rPr lang="en-US" b="0" i="1" smtClean="0">
-                                        <a:latin typeface="Calibri" charset="0"/>
+                                        <a:latin typeface="Cambria Math" charset="0"/>
                                         <a:ea typeface="Calibri" charset="0"/>
                                         <a:cs typeface="Calibri" charset="0"/>
                                       </a:rPr>
@@ -11688,7 +11801,7 @@
                                         <m:endChr m:val="]"/>
                                         <m:ctrlPr>
                                           <a:rPr lang="en-US" i="1" smtClean="0">
-                                            <a:latin typeface="Calibri" charset="0"/>
+                                            <a:latin typeface="Cambria Math" charset="0"/>
                                             <a:ea typeface="Calibri" charset="0"/>
                                             <a:cs typeface="Calibri" charset="0"/>
                                           </a:rPr>
@@ -11697,7 +11810,7 @@
                                       <m:e>
                                         <m:r>
                                           <a:rPr lang="en-US" b="0" i="1" smtClean="0">
-                                            <a:latin typeface="Calibri" charset="0"/>
+                                            <a:latin typeface="Cambria Math" charset="0"/>
                                             <a:ea typeface="Calibri" charset="0"/>
                                             <a:cs typeface="Calibri" charset="0"/>
                                           </a:rPr>
@@ -11705,7 +11818,7 @@
                                         </m:r>
                                         <m:r>
                                           <a:rPr lang="en-US" b="0" i="1" smtClean="0">
-                                            <a:latin typeface="Calibri" charset="0"/>
+                                            <a:latin typeface="Cambria Math" charset="0"/>
                                             <a:ea typeface="Calibri" charset="0"/>
                                             <a:cs typeface="Calibri" charset="0"/>
                                           </a:rPr>
@@ -11713,7 +11826,7 @@
                                         </m:r>
                                         <m:r>
                                           <a:rPr lang="en-US" b="0" i="1" smtClean="0">
-                                            <a:latin typeface="Calibri" charset="0"/>
+                                            <a:latin typeface="Cambria Math" charset="0"/>
                                             <a:ea typeface="Calibri" charset="0"/>
                                             <a:cs typeface="Calibri" charset="0"/>
                                           </a:rPr>
@@ -11721,7 +11834,7 @@
                                         </m:r>
                                         <m:r>
                                           <a:rPr lang="en-US" b="0" i="1" smtClean="0">
-                                            <a:latin typeface="Calibri" charset="0"/>
+                                            <a:latin typeface="Cambria Math" charset="0"/>
                                             <a:ea typeface="Calibri" charset="0"/>
                                             <a:cs typeface="Calibri" charset="0"/>
                                           </a:rPr>
@@ -11735,7 +11848,7 @@
                             </m:func>
                             <m:r>
                               <a:rPr lang="en-US" b="0" i="1" smtClean="0">
-                                <a:latin typeface="Calibri" charset="0"/>
+                                <a:latin typeface="Cambria Math" charset="0"/>
                                 <a:ea typeface="Calibri" charset="0"/>
                                 <a:cs typeface="Calibri" charset="0"/>
                               </a:rPr>
@@ -11743,7 +11856,7 @@
                             </m:r>
                             <m:r>
                               <a:rPr lang="en-US" b="0" i="1" smtClean="0">
-                                <a:latin typeface="Calibri" charset="0"/>
+                                <a:latin typeface="Cambria Math" charset="0"/>
                                 <a:ea typeface="Calibri" charset="0"/>
                                 <a:cs typeface="Calibri" charset="0"/>
                               </a:rPr>
@@ -11753,7 +11866,7 @@
                               <m:sSubPr>
                                 <m:ctrlPr>
                                   <a:rPr lang="en-US" i="1" smtClean="0">
-                                    <a:latin typeface="Calibri" charset="0"/>
+                                    <a:latin typeface="Cambria Math" charset="0"/>
                                     <a:ea typeface="Calibri" charset="0"/>
                                     <a:cs typeface="Calibri" charset="0"/>
                                   </a:rPr>
@@ -11762,7 +11875,7 @@
                               <m:e>
                                 <m:r>
                                   <a:rPr lang="en-US" b="0" i="1" smtClean="0">
-                                    <a:latin typeface="Calibri" charset="0"/>
+                                    <a:latin typeface="Cambria Math" charset="0"/>
                                     <a:ea typeface="Calibri" charset="0"/>
                                     <a:cs typeface="Calibri" charset="0"/>
                                   </a:rPr>
@@ -11772,7 +11885,7 @@
                               <m:sub>
                                 <m:r>
                                   <a:rPr lang="en-US" b="0" i="1" smtClean="0">
-                                    <a:latin typeface="Calibri" charset="0"/>
+                                    <a:latin typeface="Cambria Math" charset="0"/>
                                     <a:ea typeface="Calibri" charset="0"/>
                                     <a:cs typeface="Calibri" charset="0"/>
                                   </a:rPr>
@@ -11782,7 +11895,7 @@
                             </m:sSub>
                             <m:r>
                               <a:rPr lang="en-US" b="0" i="1" smtClean="0">
-                                <a:latin typeface="Calibri" charset="0"/>
+                                <a:latin typeface="Cambria Math" charset="0"/>
                                 <a:ea typeface="Calibri" charset="0"/>
                                 <a:cs typeface="Calibri" charset="0"/>
                               </a:rPr>
@@ -11792,7 +11905,7 @@
                               <m:sSubPr>
                                 <m:ctrlPr>
                                   <a:rPr lang="en-US" i="1" smtClean="0">
-                                    <a:latin typeface="Calibri" charset="0"/>
+                                    <a:latin typeface="Cambria Math" charset="0"/>
                                     <a:ea typeface="Calibri" charset="0"/>
                                     <a:cs typeface="Calibri" charset="0"/>
                                   </a:rPr>
@@ -11801,7 +11914,7 @@
                               <m:e>
                                 <m:r>
                                   <a:rPr lang="en-US" b="0" i="1" smtClean="0">
-                                    <a:latin typeface="Calibri" charset="0"/>
+                                    <a:latin typeface="Cambria Math" charset="0"/>
                                     <a:ea typeface="Calibri" charset="0"/>
                                     <a:cs typeface="Calibri" charset="0"/>
                                   </a:rPr>
@@ -11811,7 +11924,7 @@
                               <m:sub>
                                 <m:r>
                                   <a:rPr lang="en-US" b="0" i="1" smtClean="0">
-                                    <a:latin typeface="Calibri" charset="0"/>
+                                    <a:latin typeface="Cambria Math" charset="0"/>
                                     <a:ea typeface="Calibri" charset="0"/>
                                     <a:cs typeface="Calibri" charset="0"/>
                                   </a:rPr>
@@ -11833,7 +11946,7 @@
             </p:txBody>
           </p:sp>
         </mc:Choice>
-        <mc:Fallback>
+        <mc:Fallback xmlns="">
           <p:sp>
             <p:nvSpPr>
               <p:cNvPr id="3" name="Content Placeholder 2"/>
@@ -12370,15 +12483,23 @@
                 </a:r>
                 <a:r>
                   <a:rPr lang="en-US" dirty="0" smtClean="0"/>
-                  <a:t>]=M[</a:t>
-                </a:r>
-                <a:r>
-                  <a:rPr lang="en-US" dirty="0" err="1" smtClean="0"/>
-                  <a:t>i</a:t>
-                </a:r>
-                <a:r>
-                  <a:rPr lang="en-US" dirty="0" smtClean="0"/>
-                  <a:t>, j-1] +1</a:t>
+                  <a:t>]=</a:t>
+                </a:r>
+                <a:r>
+                  <a:rPr lang="en-US" dirty="0" smtClean="0"/>
+                  <a:t>M[i</a:t>
+                </a:r>
+                <a:r>
+                  <a:rPr lang="en-US" altLang="zh-CN" dirty="0" smtClean="0"/>
+                  <a:t>-1</a:t>
+                </a:r>
+                <a:r>
+                  <a:rPr lang="en-US" dirty="0" smtClean="0"/>
+                  <a:t>, </a:t>
+                </a:r>
+                <a:r>
+                  <a:rPr lang="en-US" dirty="0" smtClean="0"/>
+                  <a:t>j-1] +1</a:t>
                 </a:r>
               </a:p>
               <a:p>
@@ -12735,7 +12856,7 @@
             <p:spPr/>
             <p:txBody>
               <a:bodyPr>
-                <a:normAutofit fontScale="92500" lnSpcReduction="20000"/>
+                <a:normAutofit fontScale="77500" lnSpcReduction="20000"/>
               </a:bodyPr>
               <a:lstStyle/>
               <a:p>
@@ -12757,12 +12878,71 @@
                   <a:defRPr/>
                 </a:pPr>
                 <a:r>
+                  <a:rPr lang="en-US" altLang="zh-CN" dirty="0" smtClean="0"/>
+                  <a:t>Step</a:t>
+                </a:r>
+                <a:r>
+                  <a:rPr lang="zh-CN" altLang="en-US" dirty="0" smtClean="0"/>
+                  <a:t> </a:t>
+                </a:r>
+                <a:r>
+                  <a:rPr lang="en-US" altLang="zh-CN" dirty="0"/>
+                  <a:t>V</a:t>
+                </a:r>
+                <a:r>
+                  <a:rPr lang="en-US" altLang="zh-CN" dirty="0" smtClean="0"/>
+                  <a:t>:</a:t>
+                </a:r>
+              </a:p>
+              <a:p>
+                <a:pPr marL="0" marR="0" lvl="0" indent="0" defTabSz="914400" eaLnBrk="1" fontAlgn="auto" latinLnBrk="0" hangingPunct="1">
+                  <a:lnSpc>
+                    <a:spcPct val="100000"/>
+                  </a:lnSpc>
+                  <a:spcBef>
+                    <a:spcPts val="0"/>
+                  </a:spcBef>
+                  <a:spcAft>
+                    <a:spcPts val="0"/>
+                  </a:spcAft>
+                  <a:buClrTx/>
+                  <a:buSzTx/>
+                  <a:buFontTx/>
+                  <a:buNone/>
+                  <a:tabLst/>
+                  <a:defRPr/>
+                </a:pPr>
+                <a:endParaRPr lang="en-US" dirty="0" smtClean="0"/>
+              </a:p>
+              <a:p>
+                <a:pPr marL="0" marR="0" lvl="0" indent="0" defTabSz="914400" eaLnBrk="1" fontAlgn="auto" latinLnBrk="0" hangingPunct="1">
+                  <a:lnSpc>
+                    <a:spcPct val="100000"/>
+                  </a:lnSpc>
+                  <a:spcBef>
+                    <a:spcPts val="0"/>
+                  </a:spcBef>
+                  <a:spcAft>
+                    <a:spcPts val="0"/>
+                  </a:spcAft>
+                  <a:buClrTx/>
+                  <a:buSzTx/>
+                  <a:buFontTx/>
+                  <a:buNone/>
+                  <a:tabLst/>
+                  <a:defRPr/>
+                </a:pPr>
+                <a:r>
                   <a:rPr lang="en-US" dirty="0" err="1" smtClean="0"/>
                   <a:t>LCSPath</a:t>
                 </a:r>
                 <a:r>
                   <a:rPr lang="en-US" dirty="0" smtClean="0"/>
-                  <a:t>(M, X, Y, </a:t>
+                  <a:t>(M</a:t>
+                </a:r>
+                <a:r>
+                  <a:rPr lang="en-US" dirty="0" smtClean="0"/>
+                  <a:t>, X, Y, </a:t>
                 </a:r>
                 <a:r>
                   <a:rPr lang="en-US" dirty="0" err="1" smtClean="0"/>
@@ -13221,7 +13401,7 @@
               <a:blipFill rotWithShape="0">
                 <a:blip r:embed="rId2"/>
                 <a:stretch>
-                  <a:fillRect l="-1043" t="-2801" b="-700"/>
+                  <a:fillRect l="-754" t="-2241"/>
                 </a:stretch>
               </a:blipFill>
             </p:spPr>
